--- a/Smart_Student_Task_Manager_Presentation.pptx
+++ b/Smart_Student_Task_Manager_Presentation.pptx
@@ -7,19 +7,21 @@
   <p:sldIdLst>
     <p:sldId id="268" r:id="rId2"/>
     <p:sldId id="269" r:id="rId3"/>
-    <p:sldId id="257" r:id="rId4"/>
-    <p:sldId id="258" r:id="rId5"/>
-    <p:sldId id="259" r:id="rId6"/>
-    <p:sldId id="260" r:id="rId7"/>
-    <p:sldId id="261" r:id="rId8"/>
-    <p:sldId id="263" r:id="rId9"/>
-    <p:sldId id="264" r:id="rId10"/>
-    <p:sldId id="270" r:id="rId11"/>
-    <p:sldId id="271" r:id="rId12"/>
-    <p:sldId id="272" r:id="rId13"/>
-    <p:sldId id="265" r:id="rId14"/>
-    <p:sldId id="266" r:id="rId15"/>
-    <p:sldId id="267" r:id="rId16"/>
+    <p:sldId id="273" r:id="rId4"/>
+    <p:sldId id="257" r:id="rId5"/>
+    <p:sldId id="258" r:id="rId6"/>
+    <p:sldId id="259" r:id="rId7"/>
+    <p:sldId id="274" r:id="rId8"/>
+    <p:sldId id="260" r:id="rId9"/>
+    <p:sldId id="261" r:id="rId10"/>
+    <p:sldId id="263" r:id="rId11"/>
+    <p:sldId id="264" r:id="rId12"/>
+    <p:sldId id="270" r:id="rId13"/>
+    <p:sldId id="271" r:id="rId14"/>
+    <p:sldId id="272" r:id="rId15"/>
+    <p:sldId id="265" r:id="rId16"/>
+    <p:sldId id="266" r:id="rId17"/>
+    <p:sldId id="267" r:id="rId18"/>
   </p:sldIdLst>
   <p:sldSz cx="9144000" cy="6858000" type="screen4x3"/>
   <p:notesSz cx="6858000" cy="9144000"/>
@@ -468,7 +470,7 @@
           <a:p>
             <a:fld id="{5BCAD085-E8A6-8845-BD4E-CB4CCA059FC4}" type="datetimeFigureOut">
               <a:rPr lang="en-US" smtClean="0"/>
-              <a:t>5/7/2025</a:t>
+              <a:t>5/18/2025</a:t>
             </a:fld>
             <a:endParaRPr lang="en-US"/>
           </a:p>
@@ -792,7 +794,7 @@
           <a:p>
             <a:fld id="{5BCAD085-E8A6-8845-BD4E-CB4CCA059FC4}" type="datetimeFigureOut">
               <a:rPr lang="en-US" smtClean="0"/>
-              <a:t>5/7/2025</a:t>
+              <a:t>5/18/2025</a:t>
             </a:fld>
             <a:endParaRPr lang="en-US"/>
           </a:p>
@@ -1040,7 +1042,7 @@
           <a:p>
             <a:fld id="{5BCAD085-E8A6-8845-BD4E-CB4CCA059FC4}" type="datetimeFigureOut">
               <a:rPr lang="en-US" smtClean="0"/>
-              <a:t>5/7/2025</a:t>
+              <a:t>5/18/2025</a:t>
             </a:fld>
             <a:endParaRPr lang="en-US"/>
           </a:p>
@@ -1379,7 +1381,7 @@
           <a:p>
             <a:fld id="{5BCAD085-E8A6-8845-BD4E-CB4CCA059FC4}" type="datetimeFigureOut">
               <a:rPr lang="en-US" smtClean="0"/>
-              <a:t>5/7/2025</a:t>
+              <a:t>5/18/2025</a:t>
             </a:fld>
             <a:endParaRPr lang="en-US"/>
           </a:p>
@@ -1726,7 +1728,7 @@
           <a:p>
             <a:fld id="{5BCAD085-E8A6-8845-BD4E-CB4CCA059FC4}" type="datetimeFigureOut">
               <a:rPr lang="en-US" smtClean="0"/>
-              <a:t>5/7/2025</a:t>
+              <a:t>5/18/2025</a:t>
             </a:fld>
             <a:endParaRPr lang="en-US"/>
           </a:p>
@@ -2100,7 +2102,7 @@
           <a:p>
             <a:fld id="{5BCAD085-E8A6-8845-BD4E-CB4CCA059FC4}" type="datetimeFigureOut">
               <a:rPr lang="en-US" smtClean="0"/>
-              <a:t>5/7/2025</a:t>
+              <a:t>5/18/2025</a:t>
             </a:fld>
             <a:endParaRPr lang="en-US"/>
           </a:p>
@@ -2570,7 +2572,7 @@
           <a:p>
             <a:fld id="{5BCAD085-E8A6-8845-BD4E-CB4CCA059FC4}" type="datetimeFigureOut">
               <a:rPr lang="en-US" smtClean="0"/>
-              <a:t>5/7/2025</a:t>
+              <a:t>5/18/2025</a:t>
             </a:fld>
             <a:endParaRPr lang="en-US"/>
           </a:p>
@@ -2780,7 +2782,7 @@
           <a:p>
             <a:fld id="{5BCAD085-E8A6-8845-BD4E-CB4CCA059FC4}" type="datetimeFigureOut">
               <a:rPr lang="en-US" smtClean="0"/>
-              <a:t>5/7/2025</a:t>
+              <a:t>5/18/2025</a:t>
             </a:fld>
             <a:endParaRPr lang="en-US"/>
           </a:p>
@@ -2991,7 +2993,7 @@
           <a:p>
             <a:fld id="{5BCAD085-E8A6-8845-BD4E-CB4CCA059FC4}" type="datetimeFigureOut">
               <a:rPr lang="en-US" smtClean="0"/>
-              <a:t>5/7/2025</a:t>
+              <a:t>5/18/2025</a:t>
             </a:fld>
             <a:endParaRPr lang="en-US"/>
           </a:p>
@@ -3223,7 +3225,7 @@
           <a:p>
             <a:fld id="{5BCAD085-E8A6-8845-BD4E-CB4CCA059FC4}" type="datetimeFigureOut">
               <a:rPr lang="en-US" smtClean="0"/>
-              <a:t>5/7/2025</a:t>
+              <a:t>5/18/2025</a:t>
             </a:fld>
             <a:endParaRPr lang="en-US"/>
           </a:p>
@@ -3471,7 +3473,7 @@
           <a:p>
             <a:fld id="{5BCAD085-E8A6-8845-BD4E-CB4CCA059FC4}" type="datetimeFigureOut">
               <a:rPr lang="en-US" smtClean="0"/>
-              <a:t>5/7/2025</a:t>
+              <a:t>5/18/2025</a:t>
             </a:fld>
             <a:endParaRPr lang="en-US"/>
           </a:p>
@@ -3774,7 +3776,7 @@
           <a:p>
             <a:fld id="{5BCAD085-E8A6-8845-BD4E-CB4CCA059FC4}" type="datetimeFigureOut">
               <a:rPr lang="en-US" smtClean="0"/>
-              <a:t>5/7/2025</a:t>
+              <a:t>5/18/2025</a:t>
             </a:fld>
             <a:endParaRPr lang="en-US"/>
           </a:p>
@@ -4156,7 +4158,7 @@
           <a:p>
             <a:fld id="{5BCAD085-E8A6-8845-BD4E-CB4CCA059FC4}" type="datetimeFigureOut">
               <a:rPr lang="en-US" smtClean="0"/>
-              <a:t>5/7/2025</a:t>
+              <a:t>5/18/2025</a:t>
             </a:fld>
             <a:endParaRPr lang="en-US"/>
           </a:p>
@@ -4310,7 +4312,7 @@
           <a:p>
             <a:fld id="{5BCAD085-E8A6-8845-BD4E-CB4CCA059FC4}" type="datetimeFigureOut">
               <a:rPr lang="en-US" smtClean="0"/>
-              <a:t>5/7/2025</a:t>
+              <a:t>5/18/2025</a:t>
             </a:fld>
             <a:endParaRPr lang="en-US"/>
           </a:p>
@@ -4436,7 +4438,7 @@
           <a:p>
             <a:fld id="{5BCAD085-E8A6-8845-BD4E-CB4CCA059FC4}" type="datetimeFigureOut">
               <a:rPr lang="en-US" smtClean="0"/>
-              <a:t>5/7/2025</a:t>
+              <a:t>5/18/2025</a:t>
             </a:fld>
             <a:endParaRPr lang="en-US"/>
           </a:p>
@@ -4691,7 +4693,7 @@
           <a:p>
             <a:fld id="{5BCAD085-E8A6-8845-BD4E-CB4CCA059FC4}" type="datetimeFigureOut">
               <a:rPr lang="en-US" smtClean="0"/>
-              <a:t>5/7/2025</a:t>
+              <a:t>5/18/2025</a:t>
             </a:fld>
             <a:endParaRPr lang="en-US"/>
           </a:p>
@@ -5005,7 +5007,7 @@
           <a:p>
             <a:fld id="{5BCAD085-E8A6-8845-BD4E-CB4CCA059FC4}" type="datetimeFigureOut">
               <a:rPr lang="en-US" smtClean="0"/>
-              <a:t>5/7/2025</a:t>
+              <a:t>5/18/2025</a:t>
             </a:fld>
             <a:endParaRPr lang="en-US"/>
           </a:p>
@@ -5356,7 +5358,7 @@
           <a:p>
             <a:fld id="{5BCAD085-E8A6-8845-BD4E-CB4CCA059FC4}" type="datetimeFigureOut">
               <a:rPr lang="en-US" smtClean="0"/>
-              <a:t>5/7/2025</a:t>
+              <a:t>5/18/2025</a:t>
             </a:fld>
             <a:endParaRPr lang="en-US"/>
           </a:p>
@@ -6016,13 +6018,7 @@
       </p:grpSpPr>
       <p:sp>
         <p:nvSpPr>
-          <p:cNvPr id="2" name="Title 1">
-            <a:extLst>
-              <a:ext uri="{FF2B5EF4-FFF2-40B4-BE49-F238E27FC236}">
-                <a16:creationId xmlns:a16="http://schemas.microsoft.com/office/drawing/2014/main" id="{D4CE2A0F-856F-9919-5583-BF2807078B14}"/>
-              </a:ext>
-            </a:extLst>
-          </p:cNvPr>
+          <p:cNvPr id="2" name="Title 1"/>
           <p:cNvSpPr>
             <a:spLocks noGrp="1"/>
           </p:cNvSpPr>
@@ -6036,48 +6032,83 @@
           <a:lstStyle/>
           <a:p>
             <a:r>
-              <a:rPr lang="en-US" dirty="0"/>
-              <a:t>Blank GUI</a:t>
-            </a:r>
-            <a:endParaRPr lang="LID4096" dirty="0"/>
-          </a:p>
-        </p:txBody>
-      </p:sp>
-      <p:pic>
-        <p:nvPicPr>
-          <p:cNvPr id="9" name="Content Placeholder 8">
-            <a:extLst>
-              <a:ext uri="{FF2B5EF4-FFF2-40B4-BE49-F238E27FC236}">
-                <a16:creationId xmlns:a16="http://schemas.microsoft.com/office/drawing/2014/main" id="{5A24A0C2-EC2F-38EC-F5D5-E807A8C790FF}"/>
-              </a:ext>
-            </a:extLst>
-          </p:cNvPr>
-          <p:cNvPicPr>
-            <a:picLocks noGrp="1" noChangeAspect="1"/>
-          </p:cNvPicPr>
+              <a:t>Challenges Faced</a:t>
+            </a:r>
+          </a:p>
+        </p:txBody>
+      </p:sp>
+      <p:sp>
+        <p:nvSpPr>
+          <p:cNvPr id="3" name="Content Placeholder 2"/>
+          <p:cNvSpPr>
+            <a:spLocks noGrp="1"/>
+          </p:cNvSpPr>
           <p:nvPr>
             <p:ph idx="1"/>
           </p:nvPr>
-        </p:nvPicPr>
-        <p:blipFill>
-          <a:blip r:embed="rId2"/>
-          <a:stretch>
-            <a:fillRect/>
-          </a:stretch>
-        </p:blipFill>
-        <p:spPr>
-          <a:xfrm>
-            <a:off x="1401739" y="2166328"/>
-            <a:ext cx="6348460" cy="4093796"/>
-          </a:xfrm>
-        </p:spPr>
-      </p:pic>
+        </p:nvSpPr>
+        <p:spPr/>
+        <p:txBody>
+          <a:bodyPr/>
+          <a:lstStyle/>
+          <a:p>
+            <a:endParaRPr dirty="0"/>
+          </a:p>
+          <a:p>
+            <a:pPr>
+              <a:defRPr sz="1800"/>
+            </a:pPr>
+            <a:r>
+              <a:rPr dirty="0"/>
+              <a:t>Ensuring widgets aligned correctly and the interface remained clean.</a:t>
+            </a:r>
+          </a:p>
+          <a:p>
+            <a:pPr>
+              <a:defRPr sz="1800"/>
+            </a:pPr>
+            <a:r>
+              <a:rPr dirty="0"/>
+              <a:t>Validating input formats, especially due date format (dd/mm/</a:t>
+            </a:r>
+            <a:r>
+              <a:rPr dirty="0" err="1"/>
+              <a:t>yyyy</a:t>
+            </a:r>
+            <a:r>
+              <a:rPr dirty="0"/>
+              <a:t>).</a:t>
+            </a:r>
+          </a:p>
+          <a:p>
+            <a:pPr>
+              <a:defRPr sz="1800"/>
+            </a:pPr>
+            <a:r>
+              <a:rPr dirty="0"/>
+              <a:t>Working around schedule conflicts to meet as a team.</a:t>
+            </a:r>
+          </a:p>
+          <a:p>
+            <a:pPr>
+              <a:defRPr sz="1800"/>
+            </a:pPr>
+            <a:r>
+              <a:rPr dirty="0"/>
+              <a:t>Debugging errors from </a:t>
+            </a:r>
+            <a:r>
+              <a:rPr dirty="0" err="1"/>
+              <a:t>Tkinter</a:t>
+            </a:r>
+            <a:r>
+              <a:rPr dirty="0"/>
+              <a:t> event-handling and JSON writes.</a:t>
+            </a:r>
+          </a:p>
+        </p:txBody>
+      </p:sp>
     </p:spTree>
-    <p:extLst>
-      <p:ext uri="{BB962C8B-B14F-4D97-AF65-F5344CB8AC3E}">
-        <p14:creationId xmlns:p14="http://schemas.microsoft.com/office/powerpoint/2010/main" val="852676995"/>
-      </p:ext>
-    </p:extLst>
   </p:cSld>
   <p:clrMapOvr>
     <a:masterClrMapping/>
@@ -6104,13 +6135,7 @@
       </p:grpSpPr>
       <p:sp>
         <p:nvSpPr>
-          <p:cNvPr id="2" name="Title 1">
-            <a:extLst>
-              <a:ext uri="{FF2B5EF4-FFF2-40B4-BE49-F238E27FC236}">
-                <a16:creationId xmlns:a16="http://schemas.microsoft.com/office/drawing/2014/main" id="{A3C8B00D-A605-BC5F-267D-A85B16B9A818}"/>
-              </a:ext>
-            </a:extLst>
-          </p:cNvPr>
+          <p:cNvPr id="2" name="Title 1"/>
           <p:cNvSpPr>
             <a:spLocks noGrp="1"/>
           </p:cNvSpPr>
@@ -6124,48 +6149,80 @@
           <a:lstStyle/>
           <a:p>
             <a:r>
+              <a:rPr dirty="0"/>
+              <a:t>Lessons Learn</a:t>
+            </a:r>
+            <a:r>
               <a:rPr lang="en-US" dirty="0"/>
-              <a:t>Populated Interface</a:t>
-            </a:r>
-            <a:endParaRPr lang="LID4096" dirty="0"/>
-          </a:p>
-        </p:txBody>
-      </p:sp>
-      <p:pic>
-        <p:nvPicPr>
-          <p:cNvPr id="5" name="Content Placeholder 4">
-            <a:extLst>
-              <a:ext uri="{FF2B5EF4-FFF2-40B4-BE49-F238E27FC236}">
-                <a16:creationId xmlns:a16="http://schemas.microsoft.com/office/drawing/2014/main" id="{EABE8117-501B-2299-8E95-8D2ADB57084D}"/>
-              </a:ext>
-            </a:extLst>
-          </p:cNvPr>
-          <p:cNvPicPr>
-            <a:picLocks noGrp="1" noChangeAspect="1"/>
-          </p:cNvPicPr>
+              <a:t>t</a:t>
+            </a:r>
+            <a:endParaRPr dirty="0"/>
+          </a:p>
+        </p:txBody>
+      </p:sp>
+      <p:sp>
+        <p:nvSpPr>
+          <p:cNvPr id="3" name="Content Placeholder 2"/>
+          <p:cNvSpPr>
+            <a:spLocks noGrp="1"/>
+          </p:cNvSpPr>
           <p:nvPr>
             <p:ph idx="1"/>
           </p:nvPr>
-        </p:nvPicPr>
-        <p:blipFill>
-          <a:blip r:embed="rId2"/>
-          <a:stretch>
-            <a:fillRect/>
-          </a:stretch>
-        </p:blipFill>
-        <p:spPr>
-          <a:xfrm>
-            <a:off x="1365380" y="2142882"/>
-            <a:ext cx="6421178" cy="4140688"/>
-          </a:xfrm>
-        </p:spPr>
-      </p:pic>
+        </p:nvSpPr>
+        <p:spPr/>
+        <p:txBody>
+          <a:bodyPr/>
+          <a:lstStyle/>
+          <a:p>
+            <a:endParaRPr dirty="0"/>
+          </a:p>
+          <a:p>
+            <a:pPr>
+              <a:defRPr sz="1800"/>
+            </a:pPr>
+            <a:r>
+              <a:rPr dirty="0"/>
+              <a:t>Understanding of event-driven programming with GUI interaction.</a:t>
+            </a:r>
+          </a:p>
+          <a:p>
+            <a:pPr>
+              <a:defRPr sz="1800"/>
+            </a:pPr>
+            <a:r>
+              <a:rPr dirty="0"/>
+              <a:t>Effective use of </a:t>
+            </a:r>
+            <a:r>
+              <a:rPr dirty="0" err="1"/>
+              <a:t>Tkinter</a:t>
+            </a:r>
+            <a:r>
+              <a:rPr dirty="0"/>
+              <a:t> and </a:t>
+            </a:r>
+            <a:r>
+              <a:rPr dirty="0" err="1"/>
+              <a:t>ttk</a:t>
+            </a:r>
+            <a:r>
+              <a:rPr dirty="0"/>
+              <a:t> widgets for UI design.</a:t>
+            </a:r>
+          </a:p>
+          <a:p>
+            <a:pPr>
+              <a:defRPr sz="1800"/>
+            </a:pPr>
+            <a:r>
+              <a:rPr dirty="0"/>
+              <a:t>Importance of error handling and validating user input.</a:t>
+            </a:r>
+          </a:p>
+        </p:txBody>
+      </p:sp>
     </p:spTree>
-    <p:extLst>
-      <p:ext uri="{BB962C8B-B14F-4D97-AF65-F5344CB8AC3E}">
-        <p14:creationId xmlns:p14="http://schemas.microsoft.com/office/powerpoint/2010/main" val="4051061062"/>
-      </p:ext>
-    </p:extLst>
   </p:cSld>
   <p:clrMapOvr>
     <a:masterClrMapping/>
@@ -6195,7 +6252,7 @@
           <p:cNvPr id="2" name="Title 1">
             <a:extLst>
               <a:ext uri="{FF2B5EF4-FFF2-40B4-BE49-F238E27FC236}">
-                <a16:creationId xmlns:a16="http://schemas.microsoft.com/office/drawing/2014/main" id="{8204072C-9CD3-86FD-9871-3DCE215724B6}"/>
+                <a16:creationId xmlns:a16="http://schemas.microsoft.com/office/drawing/2014/main" id="{D4CE2A0F-856F-9919-5583-BF2807078B14}"/>
               </a:ext>
             </a:extLst>
           </p:cNvPr>
@@ -6213,7 +6270,7 @@
           <a:p>
             <a:r>
               <a:rPr lang="en-US" dirty="0"/>
-              <a:t>Some completed tasks</a:t>
+              <a:t>Blank GUI</a:t>
             </a:r>
             <a:endParaRPr lang="LID4096" dirty="0"/>
           </a:p>
@@ -6221,10 +6278,10 @@
       </p:sp>
       <p:pic>
         <p:nvPicPr>
-          <p:cNvPr id="5" name="Content Placeholder 4">
+          <p:cNvPr id="9" name="Content Placeholder 8">
             <a:extLst>
               <a:ext uri="{FF2B5EF4-FFF2-40B4-BE49-F238E27FC236}">
-                <a16:creationId xmlns:a16="http://schemas.microsoft.com/office/drawing/2014/main" id="{FE4000ED-6234-94E8-5FAC-D48431BBCE20}"/>
+                <a16:creationId xmlns:a16="http://schemas.microsoft.com/office/drawing/2014/main" id="{5A24A0C2-EC2F-38EC-F5D5-E807A8C790FF}"/>
               </a:ext>
             </a:extLst>
           </p:cNvPr>
@@ -6243,15 +6300,15 @@
         </p:blipFill>
         <p:spPr>
           <a:xfrm>
-            <a:off x="1356092" y="2136892"/>
-            <a:ext cx="6439754" cy="4152668"/>
+            <a:off x="793384" y="1946031"/>
+            <a:ext cx="7565170" cy="4314093"/>
           </a:xfrm>
         </p:spPr>
       </p:pic>
     </p:spTree>
     <p:extLst>
       <p:ext uri="{BB962C8B-B14F-4D97-AF65-F5344CB8AC3E}">
-        <p14:creationId xmlns:p14="http://schemas.microsoft.com/office/powerpoint/2010/main" val="633319058"/>
+        <p14:creationId xmlns:p14="http://schemas.microsoft.com/office/powerpoint/2010/main" val="852676995"/>
       </p:ext>
     </p:extLst>
   </p:cSld>
@@ -6280,7 +6337,13 @@
       </p:grpSpPr>
       <p:sp>
         <p:nvSpPr>
-          <p:cNvPr id="2" name="Title 1"/>
+          <p:cNvPr id="2" name="Title 1">
+            <a:extLst>
+              <a:ext uri="{FF2B5EF4-FFF2-40B4-BE49-F238E27FC236}">
+                <a16:creationId xmlns:a16="http://schemas.microsoft.com/office/drawing/2014/main" id="{A3C8B00D-A605-BC5F-267D-A85B16B9A818}"/>
+              </a:ext>
+            </a:extLst>
+          </p:cNvPr>
           <p:cNvSpPr>
             <a:spLocks noGrp="1"/>
           </p:cNvSpPr>
@@ -6294,71 +6357,48 @@
           <a:lstStyle/>
           <a:p>
             <a:r>
-              <a:t>Live Demo</a:t>
-            </a:r>
-          </a:p>
-        </p:txBody>
-      </p:sp>
-      <p:sp>
-        <p:nvSpPr>
-          <p:cNvPr id="3" name="Content Placeholder 2"/>
-          <p:cNvSpPr>
-            <a:spLocks noGrp="1"/>
-          </p:cNvSpPr>
+              <a:rPr lang="en-US" dirty="0"/>
+              <a:t>Populated Interface</a:t>
+            </a:r>
+            <a:endParaRPr lang="LID4096" dirty="0"/>
+          </a:p>
+        </p:txBody>
+      </p:sp>
+      <p:pic>
+        <p:nvPicPr>
+          <p:cNvPr id="5" name="Content Placeholder 4">
+            <a:extLst>
+              <a:ext uri="{FF2B5EF4-FFF2-40B4-BE49-F238E27FC236}">
+                <a16:creationId xmlns:a16="http://schemas.microsoft.com/office/drawing/2014/main" id="{EABE8117-501B-2299-8E95-8D2ADB57084D}"/>
+              </a:ext>
+            </a:extLst>
+          </p:cNvPr>
+          <p:cNvPicPr>
+            <a:picLocks noGrp="1" noChangeAspect="1"/>
+          </p:cNvPicPr>
           <p:nvPr>
             <p:ph idx="1"/>
           </p:nvPr>
-        </p:nvSpPr>
-        <p:spPr/>
-        <p:txBody>
-          <a:bodyPr/>
-          <a:lstStyle/>
-          <a:p>
-            <a:endParaRPr/>
-          </a:p>
-          <a:p>
-            <a:pPr>
-              <a:defRPr sz="1800"/>
-            </a:pPr>
-            <a:r>
-              <a:t>Show interface and explain each component briefly.</a:t>
-            </a:r>
-          </a:p>
-          <a:p>
-            <a:pPr>
-              <a:defRPr sz="1800"/>
-            </a:pPr>
-            <a:r>
-              <a:t>Add a task: demonstrate correct and incorrect input formats.</a:t>
-            </a:r>
-          </a:p>
-          <a:p>
-            <a:pPr>
-              <a:defRPr sz="1800"/>
-            </a:pPr>
-            <a:r>
-              <a:t>Edit and delete a task from the list.</a:t>
-            </a:r>
-          </a:p>
-          <a:p>
-            <a:pPr>
-              <a:defRPr sz="1800"/>
-            </a:pPr>
-            <a:r>
-              <a:t>Mark a task as completed and show visual update in the table.</a:t>
-            </a:r>
-          </a:p>
-          <a:p>
-            <a:pPr>
-              <a:defRPr sz="1800"/>
-            </a:pPr>
-            <a:r>
-              <a:t>Close and reopen to show data persistence via tasks.json.</a:t>
-            </a:r>
-          </a:p>
-        </p:txBody>
-      </p:sp>
+        </p:nvPicPr>
+        <p:blipFill>
+          <a:blip r:embed="rId2"/>
+          <a:stretch>
+            <a:fillRect/>
+          </a:stretch>
+        </p:blipFill>
+        <p:spPr>
+          <a:xfrm>
+            <a:off x="781661" y="1992923"/>
+            <a:ext cx="7588616" cy="4290647"/>
+          </a:xfrm>
+        </p:spPr>
+      </p:pic>
     </p:spTree>
+    <p:extLst>
+      <p:ext uri="{BB962C8B-B14F-4D97-AF65-F5344CB8AC3E}">
+        <p14:creationId xmlns:p14="http://schemas.microsoft.com/office/powerpoint/2010/main" val="4051061062"/>
+      </p:ext>
+    </p:extLst>
   </p:cSld>
   <p:clrMapOvr>
     <a:masterClrMapping/>
@@ -6385,6 +6425,94 @@
       </p:grpSpPr>
       <p:sp>
         <p:nvSpPr>
+          <p:cNvPr id="2" name="Title 1">
+            <a:extLst>
+              <a:ext uri="{FF2B5EF4-FFF2-40B4-BE49-F238E27FC236}">
+                <a16:creationId xmlns:a16="http://schemas.microsoft.com/office/drawing/2014/main" id="{8204072C-9CD3-86FD-9871-3DCE215724B6}"/>
+              </a:ext>
+            </a:extLst>
+          </p:cNvPr>
+          <p:cNvSpPr>
+            <a:spLocks noGrp="1"/>
+          </p:cNvSpPr>
+          <p:nvPr>
+            <p:ph type="title"/>
+          </p:nvPr>
+        </p:nvSpPr>
+        <p:spPr/>
+        <p:txBody>
+          <a:bodyPr/>
+          <a:lstStyle/>
+          <a:p>
+            <a:r>
+              <a:rPr lang="en-US" dirty="0"/>
+              <a:t>Some completed tasks</a:t>
+            </a:r>
+            <a:endParaRPr lang="LID4096" dirty="0"/>
+          </a:p>
+        </p:txBody>
+      </p:sp>
+      <p:pic>
+        <p:nvPicPr>
+          <p:cNvPr id="5" name="Content Placeholder 4">
+            <a:extLst>
+              <a:ext uri="{FF2B5EF4-FFF2-40B4-BE49-F238E27FC236}">
+                <a16:creationId xmlns:a16="http://schemas.microsoft.com/office/drawing/2014/main" id="{FE4000ED-6234-94E8-5FAC-D48431BBCE20}"/>
+              </a:ext>
+            </a:extLst>
+          </p:cNvPr>
+          <p:cNvPicPr>
+            <a:picLocks noGrp="1" noChangeAspect="1"/>
+          </p:cNvPicPr>
+          <p:nvPr>
+            <p:ph idx="1"/>
+          </p:nvPr>
+        </p:nvPicPr>
+        <p:blipFill>
+          <a:blip r:embed="rId2"/>
+          <a:stretch>
+            <a:fillRect/>
+          </a:stretch>
+        </p:blipFill>
+        <p:spPr>
+          <a:xfrm>
+            <a:off x="758215" y="1922585"/>
+            <a:ext cx="7635508" cy="4278923"/>
+          </a:xfrm>
+        </p:spPr>
+      </p:pic>
+    </p:spTree>
+    <p:extLst>
+      <p:ext uri="{BB962C8B-B14F-4D97-AF65-F5344CB8AC3E}">
+        <p14:creationId xmlns:p14="http://schemas.microsoft.com/office/powerpoint/2010/main" val="633319058"/>
+      </p:ext>
+    </p:extLst>
+  </p:cSld>
+  <p:clrMapOvr>
+    <a:masterClrMapping/>
+  </p:clrMapOvr>
+</p:sld>
+</file>
+
+<file path=ppt/slides/slide15.xml><?xml version="1.0" encoding="utf-8"?>
+<p:sld xmlns:a="http://schemas.openxmlformats.org/drawingml/2006/main" xmlns:r="http://schemas.openxmlformats.org/officeDocument/2006/relationships" xmlns:p="http://schemas.openxmlformats.org/presentationml/2006/main">
+  <p:cSld>
+    <p:spTree>
+      <p:nvGrpSpPr>
+        <p:cNvPr id="1" name=""/>
+        <p:cNvGrpSpPr/>
+        <p:nvPr/>
+      </p:nvGrpSpPr>
+      <p:grpSpPr>
+        <a:xfrm>
+          <a:off x="0" y="0"/>
+          <a:ext cx="0" cy="0"/>
+          <a:chOff x="0" y="0"/>
+          <a:chExt cx="0" cy="0"/>
+        </a:xfrm>
+      </p:grpSpPr>
+      <p:sp>
+        <p:nvSpPr>
           <p:cNvPr id="2" name="Title 1"/>
           <p:cNvSpPr>
             <a:spLocks noGrp="1"/>
@@ -6399,7 +6527,7 @@
           <a:lstStyle/>
           <a:p>
             <a:r>
-              <a:t>Conclusion</a:t>
+              <a:t>Live Demo</a:t>
             </a:r>
           </a:p>
         </p:txBody>
@@ -6418,13 +6546,15 @@
         <p:txBody>
           <a:bodyPr/>
           <a:lstStyle/>
+          <a:p>
+            <a:endParaRPr/>
+          </a:p>
           <a:p>
             <a:pPr>
               <a:defRPr sz="1800"/>
             </a:pPr>
             <a:r>
-              <a:rPr dirty="0"/>
-              <a:t>Application is practical and addresses common student needs.</a:t>
+              <a:t>Show interface and explain each component briefly.</a:t>
             </a:r>
           </a:p>
           <a:p>
@@ -6432,8 +6562,31 @@
               <a:defRPr sz="1800"/>
             </a:pPr>
             <a:r>
-              <a:rPr dirty="0"/>
-              <a:t>Can be improved with features like date picker, filters, or reminders.</a:t>
+              <a:t>Add a task: demonstrate correct and incorrect input formats.</a:t>
+            </a:r>
+          </a:p>
+          <a:p>
+            <a:pPr>
+              <a:defRPr sz="1800"/>
+            </a:pPr>
+            <a:r>
+              <a:t>Edit and delete a task from the list.</a:t>
+            </a:r>
+          </a:p>
+          <a:p>
+            <a:pPr>
+              <a:defRPr sz="1800"/>
+            </a:pPr>
+            <a:r>
+              <a:t>Mark a task as completed and show visual update in the table.</a:t>
+            </a:r>
+          </a:p>
+          <a:p>
+            <a:pPr>
+              <a:defRPr sz="1800"/>
+            </a:pPr>
+            <a:r>
+              <a:t>Close and reopen to show data persistence via tasks.json.</a:t>
             </a:r>
           </a:p>
         </p:txBody>
@@ -6446,7 +6599,134 @@
 </p:sld>
 </file>
 
-<file path=ppt/slides/slide15.xml><?xml version="1.0" encoding="utf-8"?>
+<file path=ppt/slides/slide16.xml><?xml version="1.0" encoding="utf-8"?>
+<p:sld xmlns:a="http://schemas.openxmlformats.org/drawingml/2006/main" xmlns:r="http://schemas.openxmlformats.org/officeDocument/2006/relationships" xmlns:p="http://schemas.openxmlformats.org/presentationml/2006/main">
+  <p:cSld>
+    <p:spTree>
+      <p:nvGrpSpPr>
+        <p:cNvPr id="1" name=""/>
+        <p:cNvGrpSpPr/>
+        <p:nvPr/>
+      </p:nvGrpSpPr>
+      <p:grpSpPr>
+        <a:xfrm>
+          <a:off x="0" y="0"/>
+          <a:ext cx="0" cy="0"/>
+          <a:chOff x="0" y="0"/>
+          <a:chExt cx="0" cy="0"/>
+        </a:xfrm>
+      </p:grpSpPr>
+      <p:sp>
+        <p:nvSpPr>
+          <p:cNvPr id="2" name="Title 1"/>
+          <p:cNvSpPr>
+            <a:spLocks noGrp="1"/>
+          </p:cNvSpPr>
+          <p:nvPr>
+            <p:ph type="title"/>
+          </p:nvPr>
+        </p:nvSpPr>
+        <p:spPr/>
+        <p:txBody>
+          <a:bodyPr/>
+          <a:lstStyle/>
+          <a:p>
+            <a:r>
+              <a:t>Conclusion</a:t>
+            </a:r>
+          </a:p>
+        </p:txBody>
+      </p:sp>
+      <p:sp>
+        <p:nvSpPr>
+          <p:cNvPr id="3" name="Content Placeholder 2"/>
+          <p:cNvSpPr>
+            <a:spLocks noGrp="1"/>
+          </p:cNvSpPr>
+          <p:nvPr>
+            <p:ph idx="1"/>
+          </p:nvPr>
+        </p:nvSpPr>
+        <p:spPr/>
+        <p:txBody>
+          <a:bodyPr>
+            <a:normAutofit/>
+          </a:bodyPr>
+          <a:lstStyle/>
+          <a:p>
+            <a:pPr marL="0" indent="0">
+              <a:buNone/>
+              <a:defRPr sz="1800"/>
+            </a:pPr>
+            <a:r>
+              <a:rPr lang="en-US" sz="2000" dirty="0"/>
+              <a:t>The Smart Student Task Manager is a practical and educational project.</a:t>
+            </a:r>
+          </a:p>
+          <a:p>
+            <a:pPr marL="0" indent="0">
+              <a:buNone/>
+              <a:defRPr sz="1800"/>
+            </a:pPr>
+            <a:r>
+              <a:rPr lang="en-US" sz="2000" dirty="0"/>
+              <a:t>It demonstrates:</a:t>
+            </a:r>
+          </a:p>
+          <a:p>
+            <a:pPr lvl="1">
+              <a:defRPr sz="1800"/>
+            </a:pPr>
+            <a:r>
+              <a:rPr lang="en-US" dirty="0"/>
+              <a:t>Basic Python programming</a:t>
+            </a:r>
+          </a:p>
+          <a:p>
+            <a:pPr lvl="1">
+              <a:defRPr sz="1800"/>
+            </a:pPr>
+            <a:r>
+              <a:rPr lang="en-US" dirty="0"/>
+              <a:t>GUI development with </a:t>
+            </a:r>
+            <a:r>
+              <a:rPr lang="en-US" dirty="0" err="1"/>
+              <a:t>Tkinter</a:t>
+            </a:r>
+            <a:endParaRPr lang="en-US" dirty="0"/>
+          </a:p>
+          <a:p>
+            <a:pPr lvl="1">
+              <a:defRPr sz="1800"/>
+            </a:pPr>
+            <a:r>
+              <a:rPr lang="en-US" dirty="0"/>
+              <a:t>Real-world application of programming concepts</a:t>
+            </a:r>
+            <a:endParaRPr lang="en-GB" dirty="0"/>
+          </a:p>
+          <a:p>
+            <a:pPr marL="0" indent="0">
+              <a:buNone/>
+              <a:defRPr sz="1800"/>
+            </a:pPr>
+            <a:r>
+              <a:rPr sz="2000" dirty="0"/>
+              <a:t>Can be improved with features like date picker, filters, or reminders.</a:t>
+            </a:r>
+          </a:p>
+        </p:txBody>
+      </p:sp>
+    </p:spTree>
+  </p:cSld>
+  <p:clrMapOvr>
+    <a:masterClrMapping/>
+  </p:clrMapOvr>
+</p:sld>
+</file>
+
+<file path=ppt/slides/slide17.xml><?xml version="1.0" encoding="utf-8"?>
 <p:sld xmlns:a="http://schemas.openxmlformats.org/drawingml/2006/main" xmlns:r="http://schemas.openxmlformats.org/officeDocument/2006/relationships" xmlns:p="http://schemas.openxmlformats.org/presentationml/2006/main">
   <p:cSld>
     <p:spTree>
@@ -7229,7 +7509,13 @@
       </p:grpSpPr>
       <p:sp>
         <p:nvSpPr>
-          <p:cNvPr id="2" name="Title 1"/>
+          <p:cNvPr id="2" name="Title 1">
+            <a:extLst>
+              <a:ext uri="{FF2B5EF4-FFF2-40B4-BE49-F238E27FC236}">
+                <a16:creationId xmlns:a16="http://schemas.microsoft.com/office/drawing/2014/main" id="{EA761937-57A2-9BE9-90AA-F40F8CDF9F23}"/>
+              </a:ext>
+            </a:extLst>
+          </p:cNvPr>
           <p:cNvSpPr>
             <a:spLocks noGrp="1"/>
           </p:cNvSpPr>
@@ -7239,18 +7525,32 @@
         </p:nvSpPr>
         <p:spPr/>
         <p:txBody>
-          <a:bodyPr/>
-          <a:lstStyle/>
-          <a:p>
-            <a:r>
-              <a:t>Project Overview</a:t>
-            </a:r>
-          </a:p>
-        </p:txBody>
-      </p:sp>
-      <p:sp>
-        <p:nvSpPr>
-          <p:cNvPr id="3" name="Content Placeholder 2"/>
+          <a:bodyPr>
+            <a:normAutofit fontScale="90000"/>
+          </a:bodyPr>
+          <a:lstStyle/>
+          <a:p>
+            <a:r>
+              <a:rPr lang="en-US" dirty="0"/>
+              <a:t>Introduction to Python and </a:t>
+            </a:r>
+            <a:r>
+              <a:rPr lang="en-US" dirty="0" err="1"/>
+              <a:t>Tkinter</a:t>
+            </a:r>
+            <a:endParaRPr lang="LID4096" dirty="0"/>
+          </a:p>
+        </p:txBody>
+      </p:sp>
+      <p:sp>
+        <p:nvSpPr>
+          <p:cNvPr id="3" name="Content Placeholder 2">
+            <a:extLst>
+              <a:ext uri="{FF2B5EF4-FFF2-40B4-BE49-F238E27FC236}">
+                <a16:creationId xmlns:a16="http://schemas.microsoft.com/office/drawing/2014/main" id="{FE335198-B1CB-397A-8B79-A125952F273F}"/>
+              </a:ext>
+            </a:extLst>
+          </p:cNvPr>
           <p:cNvSpPr>
             <a:spLocks noGrp="1"/>
           </p:cNvSpPr>
@@ -7260,46 +7560,128 @@
         </p:nvSpPr>
         <p:spPr/>
         <p:txBody>
-          <a:bodyPr/>
-          <a:lstStyle/>
-          <a:p>
-            <a:endParaRPr/>
+          <a:bodyPr>
+            <a:normAutofit lnSpcReduction="10000"/>
+          </a:bodyPr>
+          <a:lstStyle/>
+          <a:p>
+            <a:pPr marL="0" indent="0">
+              <a:buNone/>
+            </a:pPr>
+            <a:r>
+              <a:rPr lang="en-US" sz="1600" b="1" dirty="0"/>
+              <a:t>Python</a:t>
+            </a:r>
+            <a:r>
+              <a:rPr lang="en-US" sz="1600" dirty="0"/>
+              <a:t> is a high-level programming language that is simple, readable, and beginner-friendly.</a:t>
+            </a:r>
           </a:p>
           <a:p>
             <a:pPr>
-              <a:defRPr sz="1800"/>
+              <a:buFont typeface="Arial" panose="020B0604020202020204" pitchFamily="34" charset="0"/>
+              <a:buChar char="•"/>
             </a:pPr>
             <a:r>
-              <a:t>A Python desktop application to help students manage academic tasks.</a:t>
+              <a:rPr lang="en-US" sz="1600" dirty="0"/>
+              <a:t>It is widely used in web development, automation, data science, and software development.</a:t>
+            </a:r>
+          </a:p>
+          <a:p>
+            <a:pPr marL="0" indent="0">
+              <a:buNone/>
+            </a:pPr>
+            <a:r>
+              <a:rPr lang="en-US" sz="1600" b="1" dirty="0" err="1"/>
+              <a:t>Tkinter</a:t>
+            </a:r>
+            <a:r>
+              <a:rPr lang="en-US" sz="1600" dirty="0"/>
+              <a:t> is Python’s built-in library for creating </a:t>
+            </a:r>
+            <a:r>
+              <a:rPr lang="en-US" sz="1600" b="1" dirty="0"/>
+              <a:t>Graphical User Interfaces (GUIs)</a:t>
+            </a:r>
+            <a:r>
+              <a:rPr lang="en-US" sz="1600" dirty="0"/>
+              <a:t>.</a:t>
             </a:r>
           </a:p>
           <a:p>
             <a:pPr>
-              <a:defRPr sz="1800"/>
+              <a:buFont typeface="Arial" panose="020B0604020202020204" pitchFamily="34" charset="0"/>
+              <a:buChar char="•"/>
             </a:pPr>
             <a:r>
-              <a:t>Built using the Tkinter GUI library for a simple and interactive interface.</a:t>
+              <a:rPr lang="en-US" sz="1600" dirty="0"/>
+              <a:t>It allows users to create windows, buttons, labels, and more with minimal code.</a:t>
             </a:r>
           </a:p>
           <a:p>
             <a:pPr>
-              <a:defRPr sz="1800"/>
+              <a:buNone/>
             </a:pPr>
             <a:r>
-              <a:t>Stores tasks locally in a JSON file for persistence.</a:t>
-            </a:r>
+              <a:rPr lang="en-US" sz="1600" b="1" dirty="0" err="1"/>
+              <a:t>Tkinter</a:t>
+            </a:r>
+            <a:r>
+              <a:rPr lang="en-US" sz="1600" b="1" dirty="0"/>
+              <a:t> Alternatives:</a:t>
+            </a:r>
+            <a:endParaRPr lang="en-US" sz="1600" dirty="0"/>
           </a:p>
           <a:p>
             <a:pPr>
-              <a:defRPr sz="1800"/>
+              <a:buFont typeface="Arial" panose="020B0604020202020204" pitchFamily="34" charset="0"/>
+              <a:buChar char="•"/>
             </a:pPr>
             <a:r>
-              <a:t>Encourages productivity and time management among students.</a:t>
+              <a:rPr lang="en-US" sz="1600" b="1" dirty="0" err="1"/>
+              <a:t>PyQt</a:t>
+            </a:r>
+            <a:r>
+              <a:rPr lang="en-US" sz="1600" dirty="0"/>
+              <a:t> – Powerful and professional, but harder to learn.</a:t>
+            </a:r>
+          </a:p>
+          <a:p>
+            <a:pPr>
+              <a:buFont typeface="Arial" panose="020B0604020202020204" pitchFamily="34" charset="0"/>
+              <a:buChar char="•"/>
+            </a:pPr>
+            <a:r>
+              <a:rPr lang="en-US" sz="1600" b="1" dirty="0" err="1"/>
+              <a:t>Kivy</a:t>
+            </a:r>
+            <a:r>
+              <a:rPr lang="en-US" sz="1600" dirty="0"/>
+              <a:t> – Great for building mobile-friendly apps.</a:t>
+            </a:r>
+          </a:p>
+          <a:p>
+            <a:pPr>
+              <a:buFont typeface="Arial" panose="020B0604020202020204" pitchFamily="34" charset="0"/>
+              <a:buChar char="•"/>
+            </a:pPr>
+            <a:r>
+              <a:rPr lang="en-US" sz="1600" b="1" dirty="0" err="1"/>
+              <a:t>wxPython</a:t>
+            </a:r>
+            <a:r>
+              <a:rPr lang="en-US" sz="1600" dirty="0"/>
+              <a:t> – Offers native-looking desktop apps.</a:t>
             </a:r>
           </a:p>
         </p:txBody>
       </p:sp>
     </p:spTree>
+    <p:extLst>
+      <p:ext uri="{BB962C8B-B14F-4D97-AF65-F5344CB8AC3E}">
+        <p14:creationId xmlns:p14="http://schemas.microsoft.com/office/powerpoint/2010/main" val="2054099708"/>
+      </p:ext>
+    </p:extLst>
   </p:cSld>
   <p:clrMapOvr>
     <a:masterClrMapping/>
@@ -7340,7 +7722,7 @@
           <a:lstStyle/>
           <a:p>
             <a:r>
-              <a:t>Objectives</a:t>
+              <a:t>Project Overview</a:t>
             </a:r>
           </a:p>
         </p:txBody>
@@ -7357,38 +7739,98 @@
         </p:nvSpPr>
         <p:spPr/>
         <p:txBody>
-          <a:bodyPr/>
-          <a:lstStyle/>
-          <a:p>
+          <a:bodyPr>
+            <a:normAutofit fontScale="92500" lnSpcReduction="20000"/>
+          </a:bodyPr>
+          <a:lstStyle/>
+          <a:p>
+            <a:pPr marL="0" indent="0">
+              <a:buNone/>
+            </a:pPr>
+            <a:r>
+              <a:rPr lang="en-US" dirty="0"/>
+              <a:t>The </a:t>
+            </a:r>
+            <a:r>
+              <a:rPr lang="en-US" b="1" dirty="0"/>
+              <a:t>Smart Student Task Manager</a:t>
+            </a:r>
+            <a:r>
+              <a:rPr lang="en-US" dirty="0"/>
+              <a:t> is a desktop application built using Python and </a:t>
+            </a:r>
+            <a:r>
+              <a:rPr lang="en-US" dirty="0" err="1"/>
+              <a:t>Tkinter</a:t>
+            </a:r>
+            <a:r>
+              <a:rPr lang="en-US" dirty="0"/>
+              <a:t>.</a:t>
+            </a:r>
+          </a:p>
+          <a:p>
+            <a:pPr marL="0" indent="0">
+              <a:buNone/>
+            </a:pPr>
+            <a:r>
+              <a:rPr lang="en-US" dirty="0"/>
+              <a:t>It helps students to:</a:t>
+            </a:r>
+          </a:p>
+          <a:p>
+            <a:pPr marL="742950" lvl="1" indent="-285750">
+              <a:buFont typeface="Arial" panose="020B0604020202020204" pitchFamily="34" charset="0"/>
+              <a:buChar char="•"/>
+            </a:pPr>
+            <a:r>
+              <a:rPr lang="en-US" dirty="0"/>
+              <a:t>Add tasks and academic responsibilities</a:t>
+            </a:r>
+          </a:p>
+          <a:p>
+            <a:pPr marL="742950" lvl="1" indent="-285750">
+              <a:buFont typeface="Arial" panose="020B0604020202020204" pitchFamily="34" charset="0"/>
+              <a:buChar char="•"/>
+            </a:pPr>
+            <a:r>
+              <a:rPr lang="en-US" dirty="0"/>
+              <a:t>Set due dates and priority levels</a:t>
+            </a:r>
+          </a:p>
+          <a:p>
+            <a:pPr marL="742950" lvl="1" indent="-285750">
+              <a:buFont typeface="Arial" panose="020B0604020202020204" pitchFamily="34" charset="0"/>
+              <a:buChar char="•"/>
+            </a:pPr>
+            <a:r>
+              <a:rPr lang="en-US" dirty="0"/>
+              <a:t>Track task status (Pending / Completed)</a:t>
+            </a:r>
+          </a:p>
+          <a:p>
+            <a:pPr marL="742950" lvl="1" indent="-285750">
+              <a:buFont typeface="Arial" panose="020B0604020202020204" pitchFamily="34" charset="0"/>
+              <a:buChar char="•"/>
+            </a:pPr>
+            <a:r>
+              <a:rPr lang="en-US" dirty="0"/>
+              <a:t>Edit or delete tasks as needed</a:t>
+            </a:r>
+          </a:p>
+          <a:p>
+            <a:pPr marL="0" indent="0">
+              <a:buNone/>
+            </a:pPr>
+            <a:r>
+              <a:rPr lang="en-US" dirty="0"/>
+              <a:t>It is designed for simplicity and ease of use, especially for students who are new to programming.</a:t>
+            </a:r>
+          </a:p>
+          <a:p>
+            <a:pPr marL="0" indent="0">
+              <a:buNone/>
+            </a:pPr>
             <a:endParaRPr dirty="0"/>
-          </a:p>
-          <a:p>
-            <a:pPr>
-              <a:defRPr sz="1800"/>
-            </a:pPr>
-            <a:r>
-              <a:rPr dirty="0"/>
-              <a:t>Apply programming fundamentals in a real-world scenario.</a:t>
-            </a:r>
-          </a:p>
-          <a:p>
-            <a:pPr>
-              <a:defRPr sz="1800"/>
-            </a:pPr>
-            <a:r>
-              <a:rPr dirty="0"/>
-              <a:t>Build a fully functional GUI-based Python application. </a:t>
-            </a:r>
-            <a:endParaRPr lang="en-US" dirty="0"/>
-          </a:p>
-          <a:p>
-            <a:pPr>
-              <a:defRPr sz="1800"/>
-            </a:pPr>
-            <a:r>
-              <a:rPr dirty="0"/>
-              <a:t>Create a tool that directly addresses student productivity needs.</a:t>
-            </a:r>
           </a:p>
         </p:txBody>
       </p:sp>
@@ -7433,8 +7875,10 @@
           <a:lstStyle/>
           <a:p>
             <a:r>
-              <a:t>Key Features</a:t>
-            </a:r>
+              <a:rPr lang="en-US" dirty="0"/>
+              <a:t>Problem Statement</a:t>
+            </a:r>
+            <a:endParaRPr dirty="0"/>
           </a:p>
         </p:txBody>
       </p:sp>
@@ -7450,50 +7894,46 @@
         </p:nvSpPr>
         <p:spPr/>
         <p:txBody>
-          <a:bodyPr/>
-          <a:lstStyle/>
-          <a:p>
-            <a:endParaRPr/>
-          </a:p>
-          <a:p>
-            <a:pPr>
-              <a:defRPr sz="1800"/>
+          <a:bodyPr>
+            <a:normAutofit lnSpcReduction="10000"/>
+          </a:bodyPr>
+          <a:lstStyle/>
+          <a:p>
+            <a:pPr marL="0" indent="0">
+              <a:buNone/>
             </a:pPr>
             <a:r>
-              <a:t>User-friendly and minimal graphical interface for easy navigation.</a:t>
-            </a:r>
-          </a:p>
-          <a:p>
-            <a:pPr>
-              <a:defRPr sz="1800"/>
+              <a:rPr lang="en-US" dirty="0"/>
+              <a:t>Many students struggle to manage their academic deadlines and assignments.</a:t>
+            </a:r>
+          </a:p>
+          <a:p>
+            <a:pPr marL="0" indent="0">
+              <a:buNone/>
             </a:pPr>
             <a:r>
-              <a:t>Ability to add, edit, delete, and mark tasks as completed.</a:t>
-            </a:r>
-          </a:p>
-          <a:p>
-            <a:pPr>
-              <a:defRPr sz="1800"/>
+              <a:rPr lang="en-US" dirty="0"/>
+              <a:t>Some forget to submit work or pay tuition on time due to a lack of organization tools.</a:t>
+            </a:r>
+          </a:p>
+          <a:p>
+            <a:pPr marL="0" indent="0">
+              <a:buNone/>
             </a:pPr>
             <a:r>
-              <a:t>Includes task priority selection: High, Medium, Low.</a:t>
-            </a:r>
-          </a:p>
-          <a:p>
-            <a:pPr>
-              <a:defRPr sz="1800"/>
+              <a:rPr lang="en-US" dirty="0"/>
+              <a:t>Existing tools can be too complex or not student-focused.</a:t>
+            </a:r>
+          </a:p>
+          <a:p>
+            <a:pPr marL="0" indent="0">
+              <a:buNone/>
             </a:pPr>
             <a:r>
-              <a:t>Due date input with format validation (dd/mm/yyyy).</a:t>
-            </a:r>
-          </a:p>
-          <a:p>
-            <a:pPr>
-              <a:defRPr sz="1800"/>
-            </a:pPr>
-            <a:r>
-              <a:t>All tasks are saved to a JSON file, ensuring data is not lost on exit.</a:t>
-            </a:r>
+              <a:rPr lang="en-US" dirty="0"/>
+              <a:t>There is a need for a simple, customizable solution to help students stay organized.</a:t>
+            </a:r>
+            <a:endParaRPr dirty="0"/>
           </a:p>
         </p:txBody>
       </p:sp>
@@ -7538,7 +7978,7 @@
           <a:lstStyle/>
           <a:p>
             <a:r>
-              <a:t>GUI Components Used</a:t>
+              <a:t>Key Features</a:t>
             </a:r>
           </a:p>
         </p:txBody>
@@ -7555,17 +7995,17 @@
         </p:nvSpPr>
         <p:spPr/>
         <p:txBody>
-          <a:bodyPr/>
-          <a:lstStyle/>
-          <a:p>
-            <a:endParaRPr/>
-          </a:p>
+          <a:bodyPr>
+            <a:normAutofit/>
+          </a:bodyPr>
+          <a:lstStyle/>
           <a:p>
             <a:pPr>
               <a:defRPr sz="1800"/>
             </a:pPr>
             <a:r>
-              <a:t>tk.Entry – for capturing text input (e.g., title, date).</a:t>
+              <a:rPr sz="2000" dirty="0"/>
+              <a:t>User-friendly and minimal graphical interface for easy navigation.</a:t>
             </a:r>
           </a:p>
           <a:p>
@@ -7573,7 +8013,8 @@
               <a:defRPr sz="1800"/>
             </a:pPr>
             <a:r>
-              <a:t>tk.Label – for displaying input field labels.</a:t>
+              <a:rPr sz="2000" dirty="0"/>
+              <a:t>Ability to add, edit, delete, and mark tasks as completed.</a:t>
             </a:r>
           </a:p>
           <a:p>
@@ -7581,7 +8022,8 @@
               <a:defRPr sz="1800"/>
             </a:pPr>
             <a:r>
-              <a:t>ttk.Combobox – for selecting task priority.</a:t>
+              <a:rPr sz="2000" dirty="0"/>
+              <a:t>Includes task priority selection: High, Medium, Low.</a:t>
             </a:r>
           </a:p>
           <a:p>
@@ -7589,15 +8031,34 @@
               <a:defRPr sz="1800"/>
             </a:pPr>
             <a:r>
-              <a:t>ttk.Treeview – to display all tasks in a tabular format.</a:t>
-            </a:r>
+              <a:rPr sz="2000" dirty="0"/>
+              <a:t>Due date input with format validation (dd/mm/</a:t>
+            </a:r>
+            <a:r>
+              <a:rPr sz="2000" dirty="0" err="1"/>
+              <a:t>yyyy</a:t>
+            </a:r>
+            <a:r>
+              <a:rPr sz="2000" dirty="0"/>
+              <a:t>).</a:t>
+            </a:r>
+            <a:endParaRPr lang="en-US" sz="2000" dirty="0"/>
           </a:p>
           <a:p>
             <a:pPr>
               <a:defRPr sz="1800"/>
             </a:pPr>
             <a:r>
-              <a:t>tk.Button – to trigger events like Add, Edit, Delete, Complete.</a:t>
+              <a:rPr lang="en-US" sz="2000" dirty="0"/>
+              <a:t>View tasks in a table format (using </a:t>
+            </a:r>
+            <a:r>
+              <a:rPr lang="en-US" sz="2000" dirty="0" err="1"/>
+              <a:t>Treeview</a:t>
+            </a:r>
+            <a:r>
+              <a:rPr lang="en-US" sz="2000" dirty="0"/>
+              <a:t>)</a:t>
             </a:r>
           </a:p>
           <a:p>
@@ -7605,8 +8066,10 @@
               <a:defRPr sz="1800"/>
             </a:pPr>
             <a:r>
-              <a:t>messagebox – for error messages and user confirmations.</a:t>
-            </a:r>
+              <a:rPr lang="en-US" sz="2000" dirty="0"/>
+              <a:t>Data is stored and retrieved using a JSON file</a:t>
+            </a:r>
+            <a:endParaRPr sz="2000" dirty="0"/>
           </a:p>
         </p:txBody>
       </p:sp>
@@ -7637,7 +8100,13 @@
       </p:grpSpPr>
       <p:sp>
         <p:nvSpPr>
-          <p:cNvPr id="2" name="Title 1"/>
+          <p:cNvPr id="2" name="Title 1">
+            <a:extLst>
+              <a:ext uri="{FF2B5EF4-FFF2-40B4-BE49-F238E27FC236}">
+                <a16:creationId xmlns:a16="http://schemas.microsoft.com/office/drawing/2014/main" id="{30279A85-72E5-C9D6-2A34-98CFAB9D2FD0}"/>
+              </a:ext>
+            </a:extLst>
+          </p:cNvPr>
           <p:cNvSpPr>
             <a:spLocks noGrp="1"/>
           </p:cNvSpPr>
@@ -7651,14 +8120,22 @@
           <a:lstStyle/>
           <a:p>
             <a:r>
-              <a:t>Code Highlights</a:t>
-            </a:r>
-          </a:p>
-        </p:txBody>
-      </p:sp>
-      <p:sp>
-        <p:nvSpPr>
-          <p:cNvPr id="3" name="Content Placeholder 2"/>
+              <a:rPr lang="en-US" dirty="0"/>
+              <a:t>Technologies and Concepts Used</a:t>
+            </a:r>
+            <a:endParaRPr lang="LID4096" dirty="0"/>
+          </a:p>
+        </p:txBody>
+      </p:sp>
+      <p:sp>
+        <p:nvSpPr>
+          <p:cNvPr id="3" name="Content Placeholder 2">
+            <a:extLst>
+              <a:ext uri="{FF2B5EF4-FFF2-40B4-BE49-F238E27FC236}">
+                <a16:creationId xmlns:a16="http://schemas.microsoft.com/office/drawing/2014/main" id="{59ED214B-CEF0-7304-E34A-B07E438EAB3D}"/>
+              </a:ext>
+            </a:extLst>
+          </p:cNvPr>
           <p:cNvSpPr>
             <a:spLocks noGrp="1"/>
           </p:cNvSpPr>
@@ -7668,54 +8145,100 @@
         </p:nvSpPr>
         <p:spPr/>
         <p:txBody>
-          <a:bodyPr/>
-          <a:lstStyle/>
-          <a:p>
-            <a:endParaRPr/>
-          </a:p>
-          <a:p>
-            <a:pPr>
-              <a:defRPr sz="1800"/>
+          <a:bodyPr>
+            <a:normAutofit fontScale="92500" lnSpcReduction="20000"/>
+          </a:bodyPr>
+          <a:lstStyle/>
+          <a:p>
+            <a:r>
+              <a:rPr lang="en-US" dirty="0"/>
+              <a:t>Python 3 – for writing logic and handling data</a:t>
+            </a:r>
+          </a:p>
+          <a:p>
+            <a:r>
+              <a:rPr lang="en-US" dirty="0" err="1"/>
+              <a:t>Tkinter</a:t>
+            </a:r>
+            <a:r>
+              <a:rPr lang="en-US" dirty="0"/>
+              <a:t> – for building the user interface (GUI)</a:t>
+            </a:r>
+          </a:p>
+          <a:p>
+            <a:r>
+              <a:rPr lang="en-US" dirty="0" err="1"/>
+              <a:t>Treeview</a:t>
+            </a:r>
+            <a:r>
+              <a:rPr lang="en-US" dirty="0"/>
+              <a:t> Widget – to display tasks in a table</a:t>
+            </a:r>
+          </a:p>
+          <a:p>
+            <a:r>
+              <a:rPr lang="en-US" dirty="0"/>
+              <a:t>JSON Module – to save and load task data</a:t>
+            </a:r>
+          </a:p>
+          <a:p>
+            <a:pPr marL="0" indent="0">
+              <a:buNone/>
             </a:pPr>
             <a:r>
-              <a:t>Defined functions for each main action: add_task(), edit_task(), etc.</a:t>
-            </a:r>
-          </a:p>
-          <a:p>
-            <a:pPr>
-              <a:defRPr sz="1800"/>
+              <a:rPr lang="en-US" dirty="0"/>
+              <a:t>Key Concepts Used:</a:t>
+            </a:r>
+          </a:p>
+          <a:p>
+            <a:pPr lvl="1">
+              <a:buFont typeface="Wingdings" panose="05000000000000000000" pitchFamily="2" charset="2"/>
+              <a:buChar char="Ø"/>
             </a:pPr>
             <a:r>
-              <a:t>Integrated date format validation to reduce user error.</a:t>
-            </a:r>
-          </a:p>
-          <a:p>
-            <a:pPr>
-              <a:defRPr sz="1800"/>
+              <a:rPr lang="en-US" sz="1800" dirty="0"/>
+              <a:t>Functions and variables</a:t>
+            </a:r>
+          </a:p>
+          <a:p>
+            <a:pPr lvl="1">
+              <a:buFont typeface="Wingdings" panose="05000000000000000000" pitchFamily="2" charset="2"/>
+              <a:buChar char="Ø"/>
             </a:pPr>
             <a:r>
-              <a:t>Used a Treeview widget for displaying task records neatly.</a:t>
-            </a:r>
-          </a:p>
-          <a:p>
-            <a:pPr>
-              <a:defRPr sz="1800"/>
+              <a:rPr lang="en-US" sz="1800" dirty="0"/>
+              <a:t>Conditional statements and loops</a:t>
+            </a:r>
+          </a:p>
+          <a:p>
+            <a:pPr lvl="1">
+              <a:buFont typeface="Wingdings" panose="05000000000000000000" pitchFamily="2" charset="2"/>
+              <a:buChar char="Ø"/>
             </a:pPr>
             <a:r>
-              <a:t>Stored task data in a tasks.json file with structured formatting.</a:t>
-            </a:r>
-          </a:p>
-          <a:p>
-            <a:pPr>
-              <a:defRPr sz="1800"/>
+              <a:rPr lang="en-US" sz="1800" dirty="0"/>
+              <a:t>Event handling (e.g., button clicks)</a:t>
+            </a:r>
+          </a:p>
+          <a:p>
+            <a:pPr lvl="1">
+              <a:buFont typeface="Wingdings" panose="05000000000000000000" pitchFamily="2" charset="2"/>
+              <a:buChar char="Ø"/>
             </a:pPr>
             <a:r>
-              <a:t>Each function updates both the GUI and the underlying data storage.</a:t>
-            </a:r>
+              <a:rPr lang="en-US" sz="1800" dirty="0"/>
+              <a:t>File handling (reading and writing JSON files)</a:t>
+            </a:r>
+            <a:endParaRPr lang="LID4096" sz="1800" dirty="0"/>
           </a:p>
         </p:txBody>
       </p:sp>
     </p:spTree>
+    <p:extLst>
+      <p:ext uri="{BB962C8B-B14F-4D97-AF65-F5344CB8AC3E}">
+        <p14:creationId xmlns:p14="http://schemas.microsoft.com/office/powerpoint/2010/main" val="656350903"/>
+      </p:ext>
+    </p:extLst>
   </p:cSld>
   <p:clrMapOvr>
     <a:masterClrMapping/>
@@ -7756,7 +8279,7 @@
           <a:lstStyle/>
           <a:p>
             <a:r>
-              <a:t>Challenges Faced</a:t>
+              <a:t>GUI Components Used</a:t>
             </a:r>
           </a:p>
         </p:txBody>
@@ -7773,18 +8296,21 @@
         </p:nvSpPr>
         <p:spPr/>
         <p:txBody>
-          <a:bodyPr/>
-          <a:lstStyle/>
-          <a:p>
-            <a:endParaRPr dirty="0"/>
-          </a:p>
+          <a:bodyPr>
+            <a:normAutofit/>
+          </a:bodyPr>
+          <a:lstStyle/>
           <a:p>
             <a:pPr>
               <a:defRPr sz="1800"/>
             </a:pPr>
             <a:r>
-              <a:rPr dirty="0"/>
-              <a:t>Ensuring widgets aligned correctly and the interface remained clean.</a:t>
+              <a:rPr sz="2000" dirty="0" err="1"/>
+              <a:t>tk.Entry</a:t>
+            </a:r>
+            <a:r>
+              <a:rPr sz="2000" dirty="0"/>
+              <a:t> – for capturing text input (e.g., title, date).</a:t>
             </a:r>
           </a:p>
           <a:p>
@@ -7792,16 +8318,12 @@
               <a:defRPr sz="1800"/>
             </a:pPr>
             <a:r>
-              <a:rPr dirty="0"/>
-              <a:t>Validating input formats, especially due date format (dd/mm/</a:t>
-            </a:r>
-            <a:r>
-              <a:rPr dirty="0" err="1"/>
-              <a:t>yyyy</a:t>
-            </a:r>
-            <a:r>
-              <a:rPr dirty="0"/>
-              <a:t>).</a:t>
+              <a:rPr sz="2000" dirty="0" err="1"/>
+              <a:t>tk.Label</a:t>
+            </a:r>
+            <a:r>
+              <a:rPr sz="2000" dirty="0"/>
+              <a:t> – for displaying input field labels.</a:t>
             </a:r>
           </a:p>
           <a:p>
@@ -7809,8 +8331,12 @@
               <a:defRPr sz="1800"/>
             </a:pPr>
             <a:r>
-              <a:rPr dirty="0"/>
-              <a:t>Working around schedule conflicts to meet as a team.</a:t>
+              <a:rPr sz="2000" dirty="0" err="1"/>
+              <a:t>ttk.Combobox</a:t>
+            </a:r>
+            <a:r>
+              <a:rPr sz="2000" dirty="0"/>
+              <a:t> – for selecting task priority.</a:t>
             </a:r>
           </a:p>
           <a:p>
@@ -7818,16 +8344,38 @@
               <a:defRPr sz="1800"/>
             </a:pPr>
             <a:r>
-              <a:rPr dirty="0"/>
-              <a:t>Debugging errors from </a:t>
-            </a:r>
-            <a:r>
-              <a:rPr dirty="0" err="1"/>
-              <a:t>Tkinter</a:t>
-            </a:r>
-            <a:r>
-              <a:rPr dirty="0"/>
-              <a:t> event-handling and JSON writes.</a:t>
+              <a:rPr sz="2000" dirty="0" err="1"/>
+              <a:t>ttk.Treeview</a:t>
+            </a:r>
+            <a:r>
+              <a:rPr sz="2000" dirty="0"/>
+              <a:t> – to display all tasks in a tabular format.</a:t>
+            </a:r>
+          </a:p>
+          <a:p>
+            <a:pPr>
+              <a:defRPr sz="1800"/>
+            </a:pPr>
+            <a:r>
+              <a:rPr sz="2000" dirty="0" err="1"/>
+              <a:t>tk.Button</a:t>
+            </a:r>
+            <a:r>
+              <a:rPr sz="2000" dirty="0"/>
+              <a:t> – to trigger events like Add, Edit, Delete, Complete.</a:t>
+            </a:r>
+          </a:p>
+          <a:p>
+            <a:pPr>
+              <a:defRPr sz="1800"/>
+            </a:pPr>
+            <a:r>
+              <a:rPr sz="2000" dirty="0" err="1"/>
+              <a:t>messagebox</a:t>
+            </a:r>
+            <a:r>
+              <a:rPr sz="2000" dirty="0"/>
+              <a:t> – for error messages and user confirmations.</a:t>
             </a:r>
           </a:p>
         </p:txBody>
@@ -7873,14 +8421,8 @@
           <a:lstStyle/>
           <a:p>
             <a:r>
-              <a:rPr dirty="0"/>
-              <a:t>Lessons Learn</a:t>
-            </a:r>
-            <a:r>
-              <a:rPr lang="en-US" dirty="0"/>
-              <a:t>t</a:t>
-            </a:r>
-            <a:endParaRPr dirty="0"/>
+              <a:t>Code Highlights</a:t>
+            </a:r>
           </a:p>
         </p:txBody>
       </p:sp>
@@ -7899,15 +8441,14 @@
           <a:bodyPr/>
           <a:lstStyle/>
           <a:p>
-            <a:endParaRPr dirty="0"/>
+            <a:endParaRPr/>
           </a:p>
           <a:p>
             <a:pPr>
               <a:defRPr sz="1800"/>
             </a:pPr>
             <a:r>
-              <a:rPr dirty="0"/>
-              <a:t>Understanding of event-driven programming with GUI interaction.</a:t>
+              <a:t>Defined functions for each main action: add_task(), edit_task(), etc.</a:t>
             </a:r>
           </a:p>
           <a:p>
@@ -7915,24 +8456,7 @@
               <a:defRPr sz="1800"/>
             </a:pPr>
             <a:r>
-              <a:rPr dirty="0"/>
-              <a:t>Effective use of </a:t>
-            </a:r>
-            <a:r>
-              <a:rPr dirty="0" err="1"/>
-              <a:t>Tkinter</a:t>
-            </a:r>
-            <a:r>
-              <a:rPr dirty="0"/>
-              <a:t> and </a:t>
-            </a:r>
-            <a:r>
-              <a:rPr dirty="0" err="1"/>
-              <a:t>ttk</a:t>
-            </a:r>
-            <a:r>
-              <a:rPr dirty="0"/>
-              <a:t> widgets for UI design.</a:t>
+              <a:t>Integrated date format validation to reduce user error.</a:t>
             </a:r>
           </a:p>
           <a:p>
@@ -7940,8 +8464,23 @@
               <a:defRPr sz="1800"/>
             </a:pPr>
             <a:r>
-              <a:rPr dirty="0"/>
-              <a:t>Importance of error handling and validating user input.</a:t>
+              <a:t>Used a Treeview widget for displaying task records neatly.</a:t>
+            </a:r>
+          </a:p>
+          <a:p>
+            <a:pPr>
+              <a:defRPr sz="1800"/>
+            </a:pPr>
+            <a:r>
+              <a:t>Stored task data in a tasks.json file with structured formatting.</a:t>
+            </a:r>
+          </a:p>
+          <a:p>
+            <a:pPr>
+              <a:defRPr sz="1800"/>
+            </a:pPr>
+            <a:r>
+              <a:t>Each function updates both the GUI and the underlying data storage.</a:t>
             </a:r>
           </a:p>
         </p:txBody>
